--- a/articles/offcran/assets/graphics/demo_emf.pptx
+++ b/articles/offcran/assets/graphics/demo_emf.pptx
@@ -2218,8 +2218,12 @@
       <p:pic xmlns:a="http://schemas.openxmlformats.org/drawingml/2006/main" xmlns:r="http://schemas.openxmlformats.org/officeDocument/2006/relationships" xmlns:p="http://schemas.openxmlformats.org/presentationml/2006/main">
         <p:nvPicPr>
           <p:cNvPr id="2" name="Content Placeholder 2"/>
-          <p:cNvPicPr/>
-          <p:nvPr/>
+          <p:cNvPicPr>
+            <a:picLocks noGrp="1"/>
+          </p:cNvPicPr>
+          <p:nvPr>
+            <p:ph idx="1"/>
+          </p:nvPr>
         </p:nvPicPr>
         <p:blipFill>
           <a:blip cstate="print" r:embed="rId2"/>
@@ -2232,9 +2236,6 @@
             <a:off x="457200" y="1600200"/>
             <a:ext cx="5486400" cy="6400800"/>
           </a:xfrm>
-          <a:prstGeom prst="rect">
-            <a:avLst/>
-          </a:prstGeom>
         </p:spPr>
       </p:pic>
     </p:spTree>
@@ -2265,8 +2266,12 @@
       <p:pic xmlns:a="http://schemas.openxmlformats.org/drawingml/2006/main" xmlns:r="http://schemas.openxmlformats.org/officeDocument/2006/relationships" xmlns:p="http://schemas.openxmlformats.org/presentationml/2006/main">
         <p:nvPicPr>
           <p:cNvPr id="2" name=""/>
-          <p:cNvPicPr/>
-          <p:nvPr/>
+          <p:cNvPicPr>
+            <a:picLocks noGrp="1"/>
+          </p:cNvPicPr>
+          <p:nvPr>
+            <p:ph/>
+          </p:nvPr>
         </p:nvPicPr>
         <p:blipFill>
           <a:blip cstate="print" r:embed="rId2"/>
@@ -2279,9 +2284,6 @@
             <a:off x="0" y="0"/>
             <a:ext cx="5486400" cy="6400800"/>
           </a:xfrm>
-          <a:prstGeom prst="rect">
-            <a:avLst/>
-          </a:prstGeom>
         </p:spPr>
       </p:pic>
     </p:spTree>

--- a/articles/offcran/assets/graphics/demo_emf.pptx
+++ b/articles/offcran/assets/graphics/demo_emf.pptx
@@ -2236,6 +2236,9 @@
             <a:off x="457200" y="1600200"/>
             <a:ext cx="5486400" cy="6400800"/>
           </a:xfrm>
+          <a:prstGeom prst="rect">
+            <a:avLst/>
+          </a:prstGeom>
         </p:spPr>
       </p:pic>
     </p:spTree>
@@ -2284,6 +2287,9 @@
             <a:off x="0" y="0"/>
             <a:ext cx="5486400" cy="6400800"/>
           </a:xfrm>
+          <a:prstGeom prst="rect">
+            <a:avLst/>
+          </a:prstGeom>
         </p:spPr>
       </p:pic>
     </p:spTree>
